--- a/ANN_Parthenope_Carreer_Paths.pptx
+++ b/ANN_Parthenope_Carreer_Paths.pptx
@@ -5,10 +5,10 @@
     <p:sldMasterId id="2147483648" r:id="rId1"/>
   </p:sldMasterIdLst>
   <p:notesMasterIdLst>
-    <p:notesMasterId r:id="rId13"/>
+    <p:notesMasterId r:id="rId14"/>
   </p:notesMasterIdLst>
   <p:handoutMasterIdLst>
-    <p:handoutMasterId r:id="rId14"/>
+    <p:handoutMasterId r:id="rId15"/>
   </p:handoutMasterIdLst>
   <p:sldIdLst>
     <p:sldId id="261" r:id="rId2"/>
@@ -17,11 +17,12 @@
     <p:sldId id="2604" r:id="rId5"/>
     <p:sldId id="2609" r:id="rId6"/>
     <p:sldId id="256" r:id="rId7"/>
-    <p:sldId id="2621" r:id="rId8"/>
-    <p:sldId id="2610" r:id="rId9"/>
-    <p:sldId id="2608" r:id="rId10"/>
-    <p:sldId id="2611" r:id="rId11"/>
-    <p:sldId id="282" r:id="rId12"/>
+    <p:sldId id="2622" r:id="rId8"/>
+    <p:sldId id="2621" r:id="rId9"/>
+    <p:sldId id="2610" r:id="rId10"/>
+    <p:sldId id="2608" r:id="rId11"/>
+    <p:sldId id="2611" r:id="rId12"/>
+    <p:sldId id="282" r:id="rId13"/>
   </p:sldIdLst>
   <p:sldSz cx="12192000" cy="6858000"/>
   <p:notesSz cx="6858000" cy="9144000"/>
@@ -222,7 +223,7 @@
           <a:p>
             <a:fld id="{42EA73C2-9155-4D94-9618-3E9B3FE9045E}" type="datetimeFigureOut">
               <a:rPr lang="en-US" smtClean="0"/>
-              <a:t>5/10/2023</a:t>
+              <a:t>5/18/2023</a:t>
             </a:fld>
             <a:endParaRPr lang="en-US"/>
           </a:p>
@@ -400,7 +401,7 @@
           <a:p>
             <a:fld id="{47E3A9EE-C2BC-4444-823F-C5887948988C}" type="datetimeFigureOut">
               <a:rPr lang="en-US" smtClean="0"/>
-              <a:t>5/10/2023</a:t>
+              <a:t>5/18/2023</a:t>
             </a:fld>
             <a:endParaRPr lang="en-US"/>
           </a:p>
@@ -924,7 +925,7 @@
           <a:p>
             <a:fld id="{A5DBB5F2-E969-4B5C-8F2D-56670693DB65}" type="datetime1">
               <a:rPr lang="en-US" smtClean="0"/>
-              <a:t>5/10/2023</a:t>
+              <a:t>5/18/2023</a:t>
             </a:fld>
             <a:endParaRPr lang="en-US"/>
           </a:p>
@@ -1122,7 +1123,7 @@
           <a:p>
             <a:fld id="{EE6707A5-33F0-4C30-894A-3AD0BEB77477}" type="datetime1">
               <a:rPr lang="en-US" smtClean="0"/>
-              <a:t>5/10/2023</a:t>
+              <a:t>5/18/2023</a:t>
             </a:fld>
             <a:endParaRPr lang="en-US"/>
           </a:p>
@@ -1330,7 +1331,7 @@
           <a:p>
             <a:fld id="{CA7C2BA0-ADAF-4370-894E-AE0BB4852F1A}" type="datetime1">
               <a:rPr lang="en-US" smtClean="0"/>
-              <a:t>5/10/2023</a:t>
+              <a:t>5/18/2023</a:t>
             </a:fld>
             <a:endParaRPr lang="en-US"/>
           </a:p>
@@ -1528,7 +1529,7 @@
           <a:p>
             <a:fld id="{71602437-1153-4903-8379-89757247B8DE}" type="datetime1">
               <a:rPr lang="en-US" smtClean="0"/>
-              <a:t>5/10/2023</a:t>
+              <a:t>5/18/2023</a:t>
             </a:fld>
             <a:endParaRPr lang="en-US"/>
           </a:p>
@@ -1803,7 +1804,7 @@
           <a:p>
             <a:fld id="{70E5F9DB-56B0-47AB-9E1E-C234419D0E20}" type="datetime1">
               <a:rPr lang="en-US" smtClean="0"/>
-              <a:t>5/10/2023</a:t>
+              <a:t>5/18/2023</a:t>
             </a:fld>
             <a:endParaRPr lang="en-US"/>
           </a:p>
@@ -2068,7 +2069,7 @@
           <a:p>
             <a:fld id="{FED2CB2F-929F-4C94-8ABC-38D80E37BC74}" type="datetime1">
               <a:rPr lang="en-US" smtClean="0"/>
-              <a:t>5/10/2023</a:t>
+              <a:t>5/18/2023</a:t>
             </a:fld>
             <a:endParaRPr lang="en-US"/>
           </a:p>
@@ -2480,7 +2481,7 @@
           <a:p>
             <a:fld id="{E33DF750-6344-44E1-A512-07FE3E7C34FF}" type="datetime1">
               <a:rPr lang="en-US" smtClean="0"/>
-              <a:t>5/10/2023</a:t>
+              <a:t>5/18/2023</a:t>
             </a:fld>
             <a:endParaRPr lang="en-US"/>
           </a:p>
@@ -2621,7 +2622,7 @@
           <a:p>
             <a:fld id="{47D9EEFA-4DDD-4810-8CF6-FF94E47819A8}" type="datetime1">
               <a:rPr lang="en-US" smtClean="0"/>
-              <a:t>5/10/2023</a:t>
+              <a:t>5/18/2023</a:t>
             </a:fld>
             <a:endParaRPr lang="en-US"/>
           </a:p>
@@ -2734,7 +2735,7 @@
           <a:p>
             <a:fld id="{69E10119-4F67-4337-A8FA-0D2E6ECC5532}" type="datetime1">
               <a:rPr lang="en-US" smtClean="0"/>
-              <a:t>5/10/2023</a:t>
+              <a:t>5/18/2023</a:t>
             </a:fld>
             <a:endParaRPr lang="en-US"/>
           </a:p>
@@ -3045,7 +3046,7 @@
           <a:p>
             <a:fld id="{1BE3494C-0938-4F42-9DF4-E1932AF5635A}" type="datetime1">
               <a:rPr lang="en-US" smtClean="0"/>
-              <a:t>5/10/2023</a:t>
+              <a:t>5/18/2023</a:t>
             </a:fld>
             <a:endParaRPr lang="en-US"/>
           </a:p>
@@ -3333,7 +3334,7 @@
           <a:p>
             <a:fld id="{08425667-5378-4A90-A6E6-C41A6650E4A1}" type="datetime1">
               <a:rPr lang="en-US" smtClean="0"/>
-              <a:t>5/10/2023</a:t>
+              <a:t>5/18/2023</a:t>
             </a:fld>
             <a:endParaRPr lang="en-US"/>
           </a:p>
@@ -3574,7 +3575,7 @@
           <a:p>
             <a:fld id="{4AF4E0F0-60AB-46BC-9B13-8298BA01C358}" type="datetime1">
               <a:rPr lang="en-US" smtClean="0"/>
-              <a:t>5/10/2023</a:t>
+              <a:t>5/18/2023</a:t>
             </a:fld>
             <a:endParaRPr lang="en-US"/>
           </a:p>
@@ -4241,6 +4242,286 @@
 </file>
 
 <file path=ppt/slides/slide10.xml><?xml version="1.0" encoding="utf-8"?>
+<p:sld xmlns:a="http://schemas.openxmlformats.org/drawingml/2006/main" xmlns:r="http://schemas.openxmlformats.org/officeDocument/2006/relationships" xmlns:p="http://schemas.openxmlformats.org/presentationml/2006/main">
+  <p:cSld>
+    <p:spTree>
+      <p:nvGrpSpPr>
+        <p:cNvPr id="1" name=""/>
+        <p:cNvGrpSpPr/>
+        <p:nvPr/>
+      </p:nvGrpSpPr>
+      <p:grpSpPr>
+        <a:xfrm>
+          <a:off x="0" y="0"/>
+          <a:ext cx="0" cy="0"/>
+          <a:chOff x="0" y="0"/>
+          <a:chExt cx="0" cy="0"/>
+        </a:xfrm>
+      </p:grpSpPr>
+      <p:pic>
+        <p:nvPicPr>
+          <p:cNvPr id="1026" name="Picture 2" descr="Actuary Vs Data Scientist">
+            <a:extLst>
+              <a:ext uri="{FF2B5EF4-FFF2-40B4-BE49-F238E27FC236}">
+                <a16:creationId xmlns:a16="http://schemas.microsoft.com/office/drawing/2014/main" id="{6A705852-5112-A19D-2F38-3BA44FDA640F}"/>
+              </a:ext>
+            </a:extLst>
+          </p:cNvPr>
+          <p:cNvPicPr>
+            <a:picLocks noChangeAspect="1" noChangeArrowheads="1"/>
+          </p:cNvPicPr>
+          <p:nvPr/>
+        </p:nvPicPr>
+        <p:blipFill rotWithShape="1">
+          <a:blip r:embed="rId2">
+            <a:extLst>
+              <a:ext uri="{28A0092B-C50C-407E-A947-70E740481C1C}">
+                <a14:useLocalDpi xmlns:a14="http://schemas.microsoft.com/office/drawing/2010/main" val="0"/>
+              </a:ext>
+            </a:extLst>
+          </a:blip>
+          <a:srcRect b="25543"/>
+          <a:stretch/>
+        </p:blipFill>
+        <p:spPr bwMode="auto">
+          <a:xfrm>
+            <a:off x="179368" y="809077"/>
+            <a:ext cx="6087867" cy="5912398"/>
+          </a:xfrm>
+          <a:prstGeom prst="rect">
+            <a:avLst/>
+          </a:prstGeom>
+          <a:noFill/>
+          <a:extLst>
+            <a:ext uri="{909E8E84-426E-40DD-AFC4-6F175D3DCCD1}">
+              <a14:hiddenFill xmlns:a14="http://schemas.microsoft.com/office/drawing/2010/main">
+                <a:solidFill>
+                  <a:srgbClr val="FFFFFF"/>
+                </a:solidFill>
+              </a14:hiddenFill>
+            </a:ext>
+          </a:extLst>
+        </p:spPr>
+      </p:pic>
+      <p:pic>
+        <p:nvPicPr>
+          <p:cNvPr id="6" name="Picture 5">
+            <a:extLst>
+              <a:ext uri="{FF2B5EF4-FFF2-40B4-BE49-F238E27FC236}">
+                <a16:creationId xmlns:a16="http://schemas.microsoft.com/office/drawing/2014/main" id="{244FD1A7-4D3E-F487-AF71-637BE301D3B8}"/>
+              </a:ext>
+            </a:extLst>
+          </p:cNvPr>
+          <p:cNvPicPr>
+            <a:picLocks noChangeAspect="1"/>
+          </p:cNvPicPr>
+          <p:nvPr/>
+        </p:nvPicPr>
+        <p:blipFill>
+          <a:blip r:embed="rId3">
+            <a:duotone>
+              <a:prstClr val="black"/>
+              <a:schemeClr val="accent1">
+                <a:tint val="45000"/>
+                <a:satMod val="400000"/>
+              </a:schemeClr>
+            </a:duotone>
+            <a:extLst>
+              <a:ext uri="{BEBA8EAE-BF5A-486C-A8C5-ECC9F3942E4B}">
+                <a14:imgProps xmlns:a14="http://schemas.microsoft.com/office/drawing/2010/main">
+                  <a14:imgLayer r:embed="rId4">
+                    <a14:imgEffect>
+                      <a14:brightnessContrast bright="-40000" contrast="-40000"/>
+                    </a14:imgEffect>
+                  </a14:imgLayer>
+                </a14:imgProps>
+              </a:ext>
+              <a:ext uri="{28A0092B-C50C-407E-A947-70E740481C1C}">
+                <a14:useLocalDpi xmlns:a14="http://schemas.microsoft.com/office/drawing/2010/main" val="0"/>
+              </a:ext>
+            </a:extLst>
+          </a:blip>
+          <a:stretch>
+            <a:fillRect/>
+          </a:stretch>
+        </p:blipFill>
+        <p:spPr>
+          <a:xfrm>
+            <a:off x="9451675" y="163798"/>
+            <a:ext cx="2384242" cy="518727"/>
+          </a:xfrm>
+          <a:prstGeom prst="rect">
+            <a:avLst/>
+          </a:prstGeom>
+        </p:spPr>
+      </p:pic>
+      <p:sp>
+        <p:nvSpPr>
+          <p:cNvPr id="2" name="Slide Number Placeholder 1">
+            <a:extLst>
+              <a:ext uri="{FF2B5EF4-FFF2-40B4-BE49-F238E27FC236}">
+                <a16:creationId xmlns:a16="http://schemas.microsoft.com/office/drawing/2014/main" id="{4AA934C1-FEF5-70D0-38D7-46A62F064EBF}"/>
+              </a:ext>
+            </a:extLst>
+          </p:cNvPr>
+          <p:cNvSpPr>
+            <a:spLocks noGrp="1"/>
+          </p:cNvSpPr>
+          <p:nvPr>
+            <p:ph type="sldNum" sz="quarter" idx="12"/>
+          </p:nvPr>
+        </p:nvSpPr>
+        <p:spPr/>
+        <p:txBody>
+          <a:bodyPr/>
+          <a:lstStyle/>
+          <a:p>
+            <a:fld id="{16987916-45B1-41BE-BA57-D93E35AA0F5C}" type="slidenum">
+              <a:rPr lang="en-US" smtClean="0"/>
+              <a:t>10</a:t>
+            </a:fld>
+            <a:endParaRPr lang="en-US"/>
+          </a:p>
+        </p:txBody>
+      </p:sp>
+      <p:pic>
+        <p:nvPicPr>
+          <p:cNvPr id="3074" name="Picture 2" descr="Data Science in Finance - Explore 7 astonishing use cases of finance -  TechVidvan">
+            <a:extLst>
+              <a:ext uri="{FF2B5EF4-FFF2-40B4-BE49-F238E27FC236}">
+                <a16:creationId xmlns:a16="http://schemas.microsoft.com/office/drawing/2014/main" id="{689B3B3B-8478-A6CF-931B-3CE240682525}"/>
+              </a:ext>
+            </a:extLst>
+          </p:cNvPr>
+          <p:cNvPicPr>
+            <a:picLocks noChangeAspect="1" noChangeArrowheads="1"/>
+          </p:cNvPicPr>
+          <p:nvPr/>
+        </p:nvPicPr>
+        <p:blipFill>
+          <a:blip r:embed="rId5">
+            <a:extLst>
+              <a:ext uri="{28A0092B-C50C-407E-A947-70E740481C1C}">
+                <a14:useLocalDpi xmlns:a14="http://schemas.microsoft.com/office/drawing/2010/main" val="0"/>
+              </a:ext>
+            </a:extLst>
+          </a:blip>
+          <a:srcRect/>
+          <a:stretch>
+            <a:fillRect/>
+          </a:stretch>
+        </p:blipFill>
+        <p:spPr bwMode="auto">
+          <a:xfrm>
+            <a:off x="6330060" y="2031482"/>
+            <a:ext cx="5682572" cy="2975911"/>
+          </a:xfrm>
+          <a:prstGeom prst="rect">
+            <a:avLst/>
+          </a:prstGeom>
+          <a:noFill/>
+          <a:extLst>
+            <a:ext uri="{909E8E84-426E-40DD-AFC4-6F175D3DCCD1}">
+              <a14:hiddenFill xmlns:a14="http://schemas.microsoft.com/office/drawing/2010/main">
+                <a:solidFill>
+                  <a:srgbClr val="FFFFFF"/>
+                </a:solidFill>
+              </a14:hiddenFill>
+            </a:ext>
+          </a:extLst>
+        </p:spPr>
+      </p:pic>
+      <p:sp>
+        <p:nvSpPr>
+          <p:cNvPr id="3" name="Google Shape;197;p32">
+            <a:extLst>
+              <a:ext uri="{FF2B5EF4-FFF2-40B4-BE49-F238E27FC236}">
+                <a16:creationId xmlns:a16="http://schemas.microsoft.com/office/drawing/2014/main" id="{F0A1DB92-417A-CA5D-CF7E-66C648AC54AE}"/>
+              </a:ext>
+            </a:extLst>
+          </p:cNvPr>
+          <p:cNvSpPr txBox="1">
+            <a:spLocks/>
+          </p:cNvSpPr>
+          <p:nvPr/>
+        </p:nvSpPr>
+        <p:spPr>
+          <a:xfrm>
+            <a:off x="0" y="163798"/>
+            <a:ext cx="7674796" cy="763600"/>
+          </a:xfrm>
+          <a:prstGeom prst="rect">
+            <a:avLst/>
+          </a:prstGeom>
+        </p:spPr>
+        <p:txBody>
+          <a:bodyPr spcFirstLastPara="1" vert="horz" wrap="square" lIns="121900" tIns="121900" rIns="121900" bIns="121900" rtlCol="0" anchor="t" anchorCtr="0">
+            <a:noAutofit/>
+          </a:bodyPr>
+          <a:lstStyle>
+            <a:lvl1pPr algn="ctr" defTabSz="914400" rtl="0" eaLnBrk="1" latinLnBrk="0" hangingPunct="1">
+              <a:lnSpc>
+                <a:spcPct val="90000"/>
+              </a:lnSpc>
+              <a:spcBef>
+                <a:spcPct val="0"/>
+              </a:spcBef>
+              <a:buNone/>
+              <a:defRPr sz="6000" kern="1200">
+                <a:solidFill>
+                  <a:schemeClr val="tx1"/>
+                </a:solidFill>
+                <a:latin typeface="+mj-lt"/>
+                <a:ea typeface="+mj-ea"/>
+                <a:cs typeface="+mj-cs"/>
+              </a:defRPr>
+            </a:lvl1pPr>
+          </a:lstStyle>
+          <a:p>
+            <a:r>
+              <a:rPr lang="en-US" sz="4000" dirty="0">
+                <a:solidFill>
+                  <a:srgbClr val="4472C4"/>
+                </a:solidFill>
+                <a:latin typeface="Montserrat" panose="00000500000000000000" pitchFamily="2" charset="0"/>
+              </a:rPr>
+              <a:t>Financial/</a:t>
+            </a:r>
+            <a:r>
+              <a:rPr lang="en-US" sz="4000" dirty="0" err="1">
+                <a:solidFill>
+                  <a:srgbClr val="4472C4"/>
+                </a:solidFill>
+                <a:latin typeface="Montserrat" panose="00000500000000000000" pitchFamily="2" charset="0"/>
+              </a:rPr>
+              <a:t>Ensurance</a:t>
+            </a:r>
+            <a:r>
+              <a:rPr lang="en-US" sz="4000" dirty="0">
+                <a:solidFill>
+                  <a:srgbClr val="4472C4"/>
+                </a:solidFill>
+                <a:latin typeface="Montserrat" panose="00000500000000000000" pitchFamily="2" charset="0"/>
+              </a:rPr>
+              <a:t> field</a:t>
+            </a:r>
+          </a:p>
+        </p:txBody>
+      </p:sp>
+    </p:spTree>
+    <p:extLst>
+      <p:ext uri="{BB962C8B-B14F-4D97-AF65-F5344CB8AC3E}">
+        <p14:creationId xmlns:p14="http://schemas.microsoft.com/office/powerpoint/2010/main" val="92680612"/>
+      </p:ext>
+    </p:extLst>
+  </p:cSld>
+  <p:clrMapOvr>
+    <a:masterClrMapping/>
+  </p:clrMapOvr>
+</p:sld>
+</file>
+
+<file path=ppt/slides/slide11.xml><?xml version="1.0" encoding="utf-8"?>
 <p:sld xmlns:a="http://schemas.openxmlformats.org/drawingml/2006/main" xmlns:r="http://schemas.openxmlformats.org/officeDocument/2006/relationships" xmlns:p="http://schemas.openxmlformats.org/presentationml/2006/main">
   <p:cSld>
     <p:spTree>
@@ -5521,7 +5802,7 @@
           <a:p>
             <a:fld id="{16987916-45B1-41BE-BA57-D93E35AA0F5C}" type="slidenum">
               <a:rPr lang="en-US" smtClean="0"/>
-              <a:t>10</a:t>
+              <a:t>11</a:t>
             </a:fld>
             <a:endParaRPr lang="en-US"/>
           </a:p>
@@ -5540,7 +5821,7 @@
 </p:sld>
 </file>
 
-<file path=ppt/slides/slide11.xml><?xml version="1.0" encoding="utf-8"?>
+<file path=ppt/slides/slide12.xml><?xml version="1.0" encoding="utf-8"?>
 <p:sld xmlns:a="http://schemas.openxmlformats.org/drawingml/2006/main" xmlns:r="http://schemas.openxmlformats.org/officeDocument/2006/relationships" xmlns:p="http://schemas.openxmlformats.org/presentationml/2006/main">
   <p:cSld>
     <p:spTree>
@@ -5580,7 +5861,7 @@
           <a:p>
             <a:fld id="{A06C264A-03B6-44A0-BE1D-CA8DBA4A3ABC}" type="slidenum">
               <a:rPr lang="en-US" smtClean="0"/>
-              <a:t>11</a:t>
+              <a:t>12</a:t>
             </a:fld>
             <a:endParaRPr lang="en-US"/>
           </a:p>
@@ -27941,6 +28222,152 @@
           <p:cNvPr id="2" name="Slide Number Placeholder 1">
             <a:extLst>
               <a:ext uri="{FF2B5EF4-FFF2-40B4-BE49-F238E27FC236}">
+                <a16:creationId xmlns:a16="http://schemas.microsoft.com/office/drawing/2014/main" id="{91C4484F-A30E-ACE1-C4FA-230C1560E59D}"/>
+              </a:ext>
+            </a:extLst>
+          </p:cNvPr>
+          <p:cNvSpPr>
+            <a:spLocks noGrp="1"/>
+          </p:cNvSpPr>
+          <p:nvPr>
+            <p:ph type="sldNum" sz="quarter" idx="12"/>
+          </p:nvPr>
+        </p:nvSpPr>
+        <p:spPr/>
+        <p:txBody>
+          <a:bodyPr/>
+          <a:lstStyle/>
+          <a:p>
+            <a:fld id="{16987916-45B1-41BE-BA57-D93E35AA0F5C}" type="slidenum">
+              <a:rPr lang="en-US" smtClean="0"/>
+              <a:t>7</a:t>
+            </a:fld>
+            <a:endParaRPr lang="en-US"/>
+          </a:p>
+        </p:txBody>
+      </p:sp>
+      <p:pic>
+        <p:nvPicPr>
+          <p:cNvPr id="4" name="Picture 3">
+            <a:extLst>
+              <a:ext uri="{FF2B5EF4-FFF2-40B4-BE49-F238E27FC236}">
+                <a16:creationId xmlns:a16="http://schemas.microsoft.com/office/drawing/2014/main" id="{04A28E9D-B13D-48E2-D81E-9B74F02B067E}"/>
+              </a:ext>
+            </a:extLst>
+          </p:cNvPr>
+          <p:cNvPicPr>
+            <a:picLocks noChangeAspect="1"/>
+          </p:cNvPicPr>
+          <p:nvPr/>
+        </p:nvPicPr>
+        <p:blipFill rotWithShape="1">
+          <a:blip r:embed="rId2">
+            <a:extLst>
+              <a:ext uri="{28A0092B-C50C-407E-A947-70E740481C1C}">
+                <a14:useLocalDpi xmlns:a14="http://schemas.microsoft.com/office/drawing/2010/main" val="0"/>
+              </a:ext>
+            </a:extLst>
+          </a:blip>
+          <a:srcRect t="16779" b="5618"/>
+          <a:stretch/>
+        </p:blipFill>
+        <p:spPr>
+          <a:xfrm>
+            <a:off x="2440924" y="779647"/>
+            <a:ext cx="6754446" cy="5759265"/>
+          </a:xfrm>
+          <a:prstGeom prst="rect">
+            <a:avLst/>
+          </a:prstGeom>
+        </p:spPr>
+      </p:pic>
+      <p:pic>
+        <p:nvPicPr>
+          <p:cNvPr id="5" name="Picture 4">
+            <a:extLst>
+              <a:ext uri="{FF2B5EF4-FFF2-40B4-BE49-F238E27FC236}">
+                <a16:creationId xmlns:a16="http://schemas.microsoft.com/office/drawing/2014/main" id="{8F1071B3-A786-534D-8E5F-636E2F8329A1}"/>
+              </a:ext>
+            </a:extLst>
+          </p:cNvPr>
+          <p:cNvPicPr>
+            <a:picLocks noChangeAspect="1"/>
+          </p:cNvPicPr>
+          <p:nvPr/>
+        </p:nvPicPr>
+        <p:blipFill>
+          <a:blip r:embed="rId3">
+            <a:duotone>
+              <a:prstClr val="black"/>
+              <a:schemeClr val="accent1">
+                <a:tint val="45000"/>
+                <a:satMod val="400000"/>
+              </a:schemeClr>
+            </a:duotone>
+            <a:extLst>
+              <a:ext uri="{BEBA8EAE-BF5A-486C-A8C5-ECC9F3942E4B}">
+                <a14:imgProps xmlns:a14="http://schemas.microsoft.com/office/drawing/2010/main">
+                  <a14:imgLayer r:embed="rId4">
+                    <a14:imgEffect>
+                      <a14:brightnessContrast bright="-40000" contrast="-40000"/>
+                    </a14:imgEffect>
+                  </a14:imgLayer>
+                </a14:imgProps>
+              </a:ext>
+              <a:ext uri="{28A0092B-C50C-407E-A947-70E740481C1C}">
+                <a14:useLocalDpi xmlns:a14="http://schemas.microsoft.com/office/drawing/2010/main" val="0"/>
+              </a:ext>
+            </a:extLst>
+          </a:blip>
+          <a:stretch>
+            <a:fillRect/>
+          </a:stretch>
+        </p:blipFill>
+        <p:spPr>
+          <a:xfrm>
+            <a:off x="9451675" y="163798"/>
+            <a:ext cx="2384242" cy="518727"/>
+          </a:xfrm>
+          <a:prstGeom prst="rect">
+            <a:avLst/>
+          </a:prstGeom>
+        </p:spPr>
+      </p:pic>
+    </p:spTree>
+    <p:extLst>
+      <p:ext uri="{BB962C8B-B14F-4D97-AF65-F5344CB8AC3E}">
+        <p14:creationId xmlns:p14="http://schemas.microsoft.com/office/powerpoint/2010/main" val="3834203970"/>
+      </p:ext>
+    </p:extLst>
+  </p:cSld>
+  <p:clrMapOvr>
+    <a:masterClrMapping/>
+  </p:clrMapOvr>
+</p:sld>
+</file>
+
+<file path=ppt/slides/slide8.xml><?xml version="1.0" encoding="utf-8"?>
+<p:sld xmlns:a="http://schemas.openxmlformats.org/drawingml/2006/main" xmlns:r="http://schemas.openxmlformats.org/officeDocument/2006/relationships" xmlns:p="http://schemas.openxmlformats.org/presentationml/2006/main">
+  <p:cSld>
+    <p:spTree>
+      <p:nvGrpSpPr>
+        <p:cNvPr id="1" name=""/>
+        <p:cNvGrpSpPr/>
+        <p:nvPr/>
+      </p:nvGrpSpPr>
+      <p:grpSpPr>
+        <a:xfrm>
+          <a:off x="0" y="0"/>
+          <a:ext cx="0" cy="0"/>
+          <a:chOff x="0" y="0"/>
+          <a:chExt cx="0" cy="0"/>
+        </a:xfrm>
+      </p:grpSpPr>
+      <p:sp>
+        <p:nvSpPr>
+          <p:cNvPr id="2" name="Slide Number Placeholder 1">
+            <a:extLst>
+              <a:ext uri="{FF2B5EF4-FFF2-40B4-BE49-F238E27FC236}">
                 <a16:creationId xmlns:a16="http://schemas.microsoft.com/office/drawing/2014/main" id="{B52FA3FE-4209-2ACD-63F1-3B1CCA6B522E}"/>
               </a:ext>
             </a:extLst>
@@ -27959,7 +28386,7 @@
           <a:p>
             <a:fld id="{16987916-45B1-41BE-BA57-D93E35AA0F5C}" type="slidenum">
               <a:rPr lang="en-US" smtClean="0"/>
-              <a:t>7</a:t>
+              <a:t>8</a:t>
             </a:fld>
             <a:endParaRPr lang="en-US"/>
           </a:p>
@@ -28590,7 +29017,7 @@
 </p:sld>
 </file>
 
-<file path=ppt/slides/slide8.xml><?xml version="1.0" encoding="utf-8"?>
+<file path=ppt/slides/slide9.xml><?xml version="1.0" encoding="utf-8"?>
 <p:sld xmlns:a="http://schemas.openxmlformats.org/drawingml/2006/main" xmlns:r="http://schemas.openxmlformats.org/officeDocument/2006/relationships" xmlns:p="http://schemas.openxmlformats.org/presentationml/2006/main">
   <p:cSld>
     <p:spTree>
@@ -28738,7 +29165,7 @@
           <a:p>
             <a:fld id="{16987916-45B1-41BE-BA57-D93E35AA0F5C}" type="slidenum">
               <a:rPr lang="en-US" smtClean="0"/>
-              <a:t>8</a:t>
+              <a:t>9</a:t>
             </a:fld>
             <a:endParaRPr lang="en-US"/>
           </a:p>
@@ -28807,286 +29234,6 @@
     <p:extLst>
       <p:ext uri="{BB962C8B-B14F-4D97-AF65-F5344CB8AC3E}">
         <p14:creationId xmlns:p14="http://schemas.microsoft.com/office/powerpoint/2010/main" val="1835075603"/>
-      </p:ext>
-    </p:extLst>
-  </p:cSld>
-  <p:clrMapOvr>
-    <a:masterClrMapping/>
-  </p:clrMapOvr>
-</p:sld>
-</file>
-
-<file path=ppt/slides/slide9.xml><?xml version="1.0" encoding="utf-8"?>
-<p:sld xmlns:a="http://schemas.openxmlformats.org/drawingml/2006/main" xmlns:r="http://schemas.openxmlformats.org/officeDocument/2006/relationships" xmlns:p="http://schemas.openxmlformats.org/presentationml/2006/main">
-  <p:cSld>
-    <p:spTree>
-      <p:nvGrpSpPr>
-        <p:cNvPr id="1" name=""/>
-        <p:cNvGrpSpPr/>
-        <p:nvPr/>
-      </p:nvGrpSpPr>
-      <p:grpSpPr>
-        <a:xfrm>
-          <a:off x="0" y="0"/>
-          <a:ext cx="0" cy="0"/>
-          <a:chOff x="0" y="0"/>
-          <a:chExt cx="0" cy="0"/>
-        </a:xfrm>
-      </p:grpSpPr>
-      <p:pic>
-        <p:nvPicPr>
-          <p:cNvPr id="1026" name="Picture 2" descr="Actuary Vs Data Scientist">
-            <a:extLst>
-              <a:ext uri="{FF2B5EF4-FFF2-40B4-BE49-F238E27FC236}">
-                <a16:creationId xmlns:a16="http://schemas.microsoft.com/office/drawing/2014/main" id="{6A705852-5112-A19D-2F38-3BA44FDA640F}"/>
-              </a:ext>
-            </a:extLst>
-          </p:cNvPr>
-          <p:cNvPicPr>
-            <a:picLocks noChangeAspect="1" noChangeArrowheads="1"/>
-          </p:cNvPicPr>
-          <p:nvPr/>
-        </p:nvPicPr>
-        <p:blipFill rotWithShape="1">
-          <a:blip r:embed="rId2">
-            <a:extLst>
-              <a:ext uri="{28A0092B-C50C-407E-A947-70E740481C1C}">
-                <a14:useLocalDpi xmlns:a14="http://schemas.microsoft.com/office/drawing/2010/main" val="0"/>
-              </a:ext>
-            </a:extLst>
-          </a:blip>
-          <a:srcRect b="25543"/>
-          <a:stretch/>
-        </p:blipFill>
-        <p:spPr bwMode="auto">
-          <a:xfrm>
-            <a:off x="179368" y="809077"/>
-            <a:ext cx="6087867" cy="5912398"/>
-          </a:xfrm>
-          <a:prstGeom prst="rect">
-            <a:avLst/>
-          </a:prstGeom>
-          <a:noFill/>
-          <a:extLst>
-            <a:ext uri="{909E8E84-426E-40DD-AFC4-6F175D3DCCD1}">
-              <a14:hiddenFill xmlns:a14="http://schemas.microsoft.com/office/drawing/2010/main">
-                <a:solidFill>
-                  <a:srgbClr val="FFFFFF"/>
-                </a:solidFill>
-              </a14:hiddenFill>
-            </a:ext>
-          </a:extLst>
-        </p:spPr>
-      </p:pic>
-      <p:pic>
-        <p:nvPicPr>
-          <p:cNvPr id="6" name="Picture 5">
-            <a:extLst>
-              <a:ext uri="{FF2B5EF4-FFF2-40B4-BE49-F238E27FC236}">
-                <a16:creationId xmlns:a16="http://schemas.microsoft.com/office/drawing/2014/main" id="{244FD1A7-4D3E-F487-AF71-637BE301D3B8}"/>
-              </a:ext>
-            </a:extLst>
-          </p:cNvPr>
-          <p:cNvPicPr>
-            <a:picLocks noChangeAspect="1"/>
-          </p:cNvPicPr>
-          <p:nvPr/>
-        </p:nvPicPr>
-        <p:blipFill>
-          <a:blip r:embed="rId3">
-            <a:duotone>
-              <a:prstClr val="black"/>
-              <a:schemeClr val="accent1">
-                <a:tint val="45000"/>
-                <a:satMod val="400000"/>
-              </a:schemeClr>
-            </a:duotone>
-            <a:extLst>
-              <a:ext uri="{BEBA8EAE-BF5A-486C-A8C5-ECC9F3942E4B}">
-                <a14:imgProps xmlns:a14="http://schemas.microsoft.com/office/drawing/2010/main">
-                  <a14:imgLayer r:embed="rId4">
-                    <a14:imgEffect>
-                      <a14:brightnessContrast bright="-40000" contrast="-40000"/>
-                    </a14:imgEffect>
-                  </a14:imgLayer>
-                </a14:imgProps>
-              </a:ext>
-              <a:ext uri="{28A0092B-C50C-407E-A947-70E740481C1C}">
-                <a14:useLocalDpi xmlns:a14="http://schemas.microsoft.com/office/drawing/2010/main" val="0"/>
-              </a:ext>
-            </a:extLst>
-          </a:blip>
-          <a:stretch>
-            <a:fillRect/>
-          </a:stretch>
-        </p:blipFill>
-        <p:spPr>
-          <a:xfrm>
-            <a:off x="9451675" y="163798"/>
-            <a:ext cx="2384242" cy="518727"/>
-          </a:xfrm>
-          <a:prstGeom prst="rect">
-            <a:avLst/>
-          </a:prstGeom>
-        </p:spPr>
-      </p:pic>
-      <p:sp>
-        <p:nvSpPr>
-          <p:cNvPr id="2" name="Slide Number Placeholder 1">
-            <a:extLst>
-              <a:ext uri="{FF2B5EF4-FFF2-40B4-BE49-F238E27FC236}">
-                <a16:creationId xmlns:a16="http://schemas.microsoft.com/office/drawing/2014/main" id="{4AA934C1-FEF5-70D0-38D7-46A62F064EBF}"/>
-              </a:ext>
-            </a:extLst>
-          </p:cNvPr>
-          <p:cNvSpPr>
-            <a:spLocks noGrp="1"/>
-          </p:cNvSpPr>
-          <p:nvPr>
-            <p:ph type="sldNum" sz="quarter" idx="12"/>
-          </p:nvPr>
-        </p:nvSpPr>
-        <p:spPr/>
-        <p:txBody>
-          <a:bodyPr/>
-          <a:lstStyle/>
-          <a:p>
-            <a:fld id="{16987916-45B1-41BE-BA57-D93E35AA0F5C}" type="slidenum">
-              <a:rPr lang="en-US" smtClean="0"/>
-              <a:t>9</a:t>
-            </a:fld>
-            <a:endParaRPr lang="en-US"/>
-          </a:p>
-        </p:txBody>
-      </p:sp>
-      <p:pic>
-        <p:nvPicPr>
-          <p:cNvPr id="3074" name="Picture 2" descr="Data Science in Finance - Explore 7 astonishing use cases of finance -  TechVidvan">
-            <a:extLst>
-              <a:ext uri="{FF2B5EF4-FFF2-40B4-BE49-F238E27FC236}">
-                <a16:creationId xmlns:a16="http://schemas.microsoft.com/office/drawing/2014/main" id="{689B3B3B-8478-A6CF-931B-3CE240682525}"/>
-              </a:ext>
-            </a:extLst>
-          </p:cNvPr>
-          <p:cNvPicPr>
-            <a:picLocks noChangeAspect="1" noChangeArrowheads="1"/>
-          </p:cNvPicPr>
-          <p:nvPr/>
-        </p:nvPicPr>
-        <p:blipFill>
-          <a:blip r:embed="rId5">
-            <a:extLst>
-              <a:ext uri="{28A0092B-C50C-407E-A947-70E740481C1C}">
-                <a14:useLocalDpi xmlns:a14="http://schemas.microsoft.com/office/drawing/2010/main" val="0"/>
-              </a:ext>
-            </a:extLst>
-          </a:blip>
-          <a:srcRect/>
-          <a:stretch>
-            <a:fillRect/>
-          </a:stretch>
-        </p:blipFill>
-        <p:spPr bwMode="auto">
-          <a:xfrm>
-            <a:off x="6330060" y="2031482"/>
-            <a:ext cx="5682572" cy="2975911"/>
-          </a:xfrm>
-          <a:prstGeom prst="rect">
-            <a:avLst/>
-          </a:prstGeom>
-          <a:noFill/>
-          <a:extLst>
-            <a:ext uri="{909E8E84-426E-40DD-AFC4-6F175D3DCCD1}">
-              <a14:hiddenFill xmlns:a14="http://schemas.microsoft.com/office/drawing/2010/main">
-                <a:solidFill>
-                  <a:srgbClr val="FFFFFF"/>
-                </a:solidFill>
-              </a14:hiddenFill>
-            </a:ext>
-          </a:extLst>
-        </p:spPr>
-      </p:pic>
-      <p:sp>
-        <p:nvSpPr>
-          <p:cNvPr id="3" name="Google Shape;197;p32">
-            <a:extLst>
-              <a:ext uri="{FF2B5EF4-FFF2-40B4-BE49-F238E27FC236}">
-                <a16:creationId xmlns:a16="http://schemas.microsoft.com/office/drawing/2014/main" id="{F0A1DB92-417A-CA5D-CF7E-66C648AC54AE}"/>
-              </a:ext>
-            </a:extLst>
-          </p:cNvPr>
-          <p:cNvSpPr txBox="1">
-            <a:spLocks/>
-          </p:cNvSpPr>
-          <p:nvPr/>
-        </p:nvSpPr>
-        <p:spPr>
-          <a:xfrm>
-            <a:off x="0" y="163798"/>
-            <a:ext cx="7674796" cy="763600"/>
-          </a:xfrm>
-          <a:prstGeom prst="rect">
-            <a:avLst/>
-          </a:prstGeom>
-        </p:spPr>
-        <p:txBody>
-          <a:bodyPr spcFirstLastPara="1" vert="horz" wrap="square" lIns="121900" tIns="121900" rIns="121900" bIns="121900" rtlCol="0" anchor="t" anchorCtr="0">
-            <a:noAutofit/>
-          </a:bodyPr>
-          <a:lstStyle>
-            <a:lvl1pPr algn="ctr" defTabSz="914400" rtl="0" eaLnBrk="1" latinLnBrk="0" hangingPunct="1">
-              <a:lnSpc>
-                <a:spcPct val="90000"/>
-              </a:lnSpc>
-              <a:spcBef>
-                <a:spcPct val="0"/>
-              </a:spcBef>
-              <a:buNone/>
-              <a:defRPr sz="6000" kern="1200">
-                <a:solidFill>
-                  <a:schemeClr val="tx1"/>
-                </a:solidFill>
-                <a:latin typeface="+mj-lt"/>
-                <a:ea typeface="+mj-ea"/>
-                <a:cs typeface="+mj-cs"/>
-              </a:defRPr>
-            </a:lvl1pPr>
-          </a:lstStyle>
-          <a:p>
-            <a:r>
-              <a:rPr lang="en-US" sz="4000" dirty="0">
-                <a:solidFill>
-                  <a:srgbClr val="4472C4"/>
-                </a:solidFill>
-                <a:latin typeface="Montserrat" panose="00000500000000000000" pitchFamily="2" charset="0"/>
-              </a:rPr>
-              <a:t>Financial/</a:t>
-            </a:r>
-            <a:r>
-              <a:rPr lang="en-US" sz="4000" dirty="0" err="1">
-                <a:solidFill>
-                  <a:srgbClr val="4472C4"/>
-                </a:solidFill>
-                <a:latin typeface="Montserrat" panose="00000500000000000000" pitchFamily="2" charset="0"/>
-              </a:rPr>
-              <a:t>Ensurance</a:t>
-            </a:r>
-            <a:r>
-              <a:rPr lang="en-US" sz="4000" dirty="0">
-                <a:solidFill>
-                  <a:srgbClr val="4472C4"/>
-                </a:solidFill>
-                <a:latin typeface="Montserrat" panose="00000500000000000000" pitchFamily="2" charset="0"/>
-              </a:rPr>
-              <a:t> field</a:t>
-            </a:r>
-          </a:p>
-        </p:txBody>
-      </p:sp>
-    </p:spTree>
-    <p:extLst>
-      <p:ext uri="{BB962C8B-B14F-4D97-AF65-F5344CB8AC3E}">
-        <p14:creationId xmlns:p14="http://schemas.microsoft.com/office/powerpoint/2010/main" val="92680612"/>
       </p:ext>
     </p:extLst>
   </p:cSld>
